--- a/Lawbrary2.pptx
+++ b/Lawbrary2.pptx
@@ -14,29 +14,28 @@
     <p:sldId id="262" r:id="rId8"/>
     <p:sldId id="263" r:id="rId9"/>
     <p:sldId id="288" r:id="rId10"/>
-    <p:sldId id="264" r:id="rId11"/>
-    <p:sldId id="265" r:id="rId12"/>
-    <p:sldId id="266" r:id="rId13"/>
-    <p:sldId id="267" r:id="rId14"/>
-    <p:sldId id="268" r:id="rId15"/>
-    <p:sldId id="269" r:id="rId16"/>
-    <p:sldId id="274" r:id="rId17"/>
-    <p:sldId id="275" r:id="rId18"/>
-    <p:sldId id="270" r:id="rId19"/>
-    <p:sldId id="271" r:id="rId20"/>
-    <p:sldId id="272" r:id="rId21"/>
-    <p:sldId id="273" r:id="rId22"/>
-    <p:sldId id="276" r:id="rId23"/>
-    <p:sldId id="279" r:id="rId24"/>
-    <p:sldId id="280" r:id="rId25"/>
+    <p:sldId id="293" r:id="rId11"/>
+    <p:sldId id="264" r:id="rId12"/>
+    <p:sldId id="265" r:id="rId13"/>
+    <p:sldId id="266" r:id="rId14"/>
+    <p:sldId id="267" r:id="rId15"/>
+    <p:sldId id="268" r:id="rId16"/>
+    <p:sldId id="269" r:id="rId17"/>
+    <p:sldId id="274" r:id="rId18"/>
+    <p:sldId id="275" r:id="rId19"/>
+    <p:sldId id="270" r:id="rId20"/>
+    <p:sldId id="271" r:id="rId21"/>
+    <p:sldId id="272" r:id="rId22"/>
+    <p:sldId id="273" r:id="rId23"/>
+    <p:sldId id="276" r:id="rId24"/>
+    <p:sldId id="279" r:id="rId25"/>
     <p:sldId id="281" r:id="rId26"/>
-    <p:sldId id="282" r:id="rId27"/>
-    <p:sldId id="292" r:id="rId28"/>
-    <p:sldId id="286" r:id="rId29"/>
-    <p:sldId id="287" r:id="rId30"/>
-    <p:sldId id="291" r:id="rId31"/>
-    <p:sldId id="289" r:id="rId32"/>
-    <p:sldId id="290" r:id="rId33"/>
+    <p:sldId id="292" r:id="rId27"/>
+    <p:sldId id="286" r:id="rId28"/>
+    <p:sldId id="287" r:id="rId29"/>
+    <p:sldId id="291" r:id="rId30"/>
+    <p:sldId id="289" r:id="rId31"/>
+    <p:sldId id="290" r:id="rId32"/>
   </p:sldIdLst>
   <p:sldSz cx="12192000" cy="6858000"/>
   <p:notesSz cx="6858000" cy="9144000"/>
@@ -213,7 +212,7 @@
               <a:cs typeface="+mn-cs"/>
             </a:defRPr>
           </a:pPr>
-          <a:endParaRPr lang="es-GT"/>
+          <a:endParaRPr lang="en-US"/>
         </a:p>
       </c:txPr>
     </c:title>
@@ -413,7 +412,7 @@
                 <a:cs typeface="+mn-cs"/>
               </a:defRPr>
             </a:pPr>
-            <a:endParaRPr lang="es-GT"/>
+            <a:endParaRPr lang="en-US"/>
           </a:p>
         </c:txPr>
         <c:crossAx val="521596448"/>
@@ -475,7 +474,7 @@
                 <a:cs typeface="+mn-cs"/>
               </a:defRPr>
             </a:pPr>
-            <a:endParaRPr lang="es-GT"/>
+            <a:endParaRPr lang="en-US"/>
           </a:p>
         </c:txPr>
         <c:crossAx val="548677792"/>
@@ -515,7 +514,7 @@
       <a:pPr>
         <a:defRPr/>
       </a:pPr>
-      <a:endParaRPr lang="es-GT"/>
+      <a:endParaRPr lang="en-US"/>
     </a:p>
   </c:txPr>
   <c:externalData r:id="rId3">
@@ -1272,7 +1271,7 @@
           <a:p>
             <a:fld id="{8ECBA82C-2888-4D3C-8C75-64D9616B7D51}" type="datetimeFigureOut">
               <a:rPr lang="es-GT" smtClean="0"/>
-              <a:t>20/11/2019</a:t>
+              <a:t>24/11/2019</a:t>
             </a:fld>
             <a:endParaRPr lang="es-GT"/>
           </a:p>
@@ -1442,7 +1441,7 @@
           <a:p>
             <a:fld id="{8ECBA82C-2888-4D3C-8C75-64D9616B7D51}" type="datetimeFigureOut">
               <a:rPr lang="es-GT" smtClean="0"/>
-              <a:t>20/11/2019</a:t>
+              <a:t>24/11/2019</a:t>
             </a:fld>
             <a:endParaRPr lang="es-GT"/>
           </a:p>
@@ -1622,7 +1621,7 @@
           <a:p>
             <a:fld id="{8ECBA82C-2888-4D3C-8C75-64D9616B7D51}" type="datetimeFigureOut">
               <a:rPr lang="es-GT" smtClean="0"/>
-              <a:t>20/11/2019</a:t>
+              <a:t>24/11/2019</a:t>
             </a:fld>
             <a:endParaRPr lang="es-GT"/>
           </a:p>
@@ -2001,7 +2000,7 @@
           <a:p>
             <a:fld id="{8ECBA82C-2888-4D3C-8C75-64D9616B7D51}" type="datetimeFigureOut">
               <a:rPr lang="es-GT" smtClean="0"/>
-              <a:t>20/11/2019</a:t>
+              <a:t>24/11/2019</a:t>
             </a:fld>
             <a:endParaRPr lang="es-GT"/>
           </a:p>
@@ -2189,7 +2188,7 @@
           <a:p>
             <a:fld id="{8ECBA82C-2888-4D3C-8C75-64D9616B7D51}" type="datetimeFigureOut">
               <a:rPr lang="es-GT" smtClean="0"/>
-              <a:t>20/11/2019</a:t>
+              <a:t>24/11/2019</a:t>
             </a:fld>
             <a:endParaRPr lang="es-GT"/>
           </a:p>
@@ -2456,7 +2455,7 @@
           <a:p>
             <a:fld id="{8ECBA82C-2888-4D3C-8C75-64D9616B7D51}" type="datetimeFigureOut">
               <a:rPr lang="es-GT" smtClean="0"/>
-              <a:t>20/11/2019</a:t>
+              <a:t>24/11/2019</a:t>
             </a:fld>
             <a:endParaRPr lang="es-GT"/>
           </a:p>
@@ -2809,7 +2808,7 @@
           <a:p>
             <a:fld id="{8ECBA82C-2888-4D3C-8C75-64D9616B7D51}" type="datetimeFigureOut">
               <a:rPr lang="es-GT" smtClean="0"/>
-              <a:t>20/11/2019</a:t>
+              <a:t>24/11/2019</a:t>
             </a:fld>
             <a:endParaRPr lang="es-GT"/>
           </a:p>
@@ -3122,7 +3121,7 @@
           <a:p>
             <a:fld id="{8ECBA82C-2888-4D3C-8C75-64D9616B7D51}" type="datetimeFigureOut">
               <a:rPr lang="es-GT" smtClean="0"/>
-              <a:t>20/11/2019</a:t>
+              <a:t>24/11/2019</a:t>
             </a:fld>
             <a:endParaRPr lang="es-GT"/>
           </a:p>
@@ -3354,7 +3353,7 @@
           <a:p>
             <a:fld id="{8ECBA82C-2888-4D3C-8C75-64D9616B7D51}" type="datetimeFigureOut">
               <a:rPr lang="es-GT" smtClean="0"/>
-              <a:t>20/11/2019</a:t>
+              <a:t>24/11/2019</a:t>
             </a:fld>
             <a:endParaRPr lang="es-GT"/>
           </a:p>
@@ -3449,7 +3448,7 @@
           <a:p>
             <a:fld id="{8ECBA82C-2888-4D3C-8C75-64D9616B7D51}" type="datetimeFigureOut">
               <a:rPr lang="es-GT" smtClean="0"/>
-              <a:t>20/11/2019</a:t>
+              <a:t>24/11/2019</a:t>
             </a:fld>
             <a:endParaRPr lang="es-GT"/>
           </a:p>
@@ -3742,7 +3741,7 @@
           <a:p>
             <a:fld id="{8ECBA82C-2888-4D3C-8C75-64D9616B7D51}" type="datetimeFigureOut">
               <a:rPr lang="es-GT" smtClean="0"/>
-              <a:t>20/11/2019</a:t>
+              <a:t>24/11/2019</a:t>
             </a:fld>
             <a:endParaRPr lang="es-GT"/>
           </a:p>
@@ -4016,7 +4015,7 @@
           <a:p>
             <a:fld id="{8ECBA82C-2888-4D3C-8C75-64D9616B7D51}" type="datetimeFigureOut">
               <a:rPr lang="es-GT" smtClean="0"/>
-              <a:t>20/11/2019</a:t>
+              <a:t>24/11/2019</a:t>
             </a:fld>
             <a:endParaRPr lang="es-GT"/>
           </a:p>
@@ -4231,7 +4230,7 @@
           <a:p>
             <a:fld id="{8ECBA82C-2888-4D3C-8C75-64D9616B7D51}" type="datetimeFigureOut">
               <a:rPr lang="es-GT" smtClean="0"/>
-              <a:t>20/11/2019</a:t>
+              <a:t>24/11/2019</a:t>
             </a:fld>
             <a:endParaRPr lang="es-GT"/>
           </a:p>
@@ -4854,38 +4853,6 @@
 <file path=ppt/slides/slide10.xml><?xml version="1.0" encoding="utf-8"?>
 <p:sld xmlns:a="http://schemas.openxmlformats.org/drawingml/2006/main" xmlns:r="http://schemas.openxmlformats.org/officeDocument/2006/relationships" xmlns:p="http://schemas.openxmlformats.org/presentationml/2006/main">
   <p:cSld>
-    <p:bg>
-      <p:bgPr>
-        <a:gradFill rotWithShape="1">
-          <a:gsLst>
-            <a:gs pos="50000">
-              <a:schemeClr val="bg1">
-                <a:tint val="80000"/>
-                <a:satMod val="250000"/>
-              </a:schemeClr>
-            </a:gs>
-            <a:gs pos="76000">
-              <a:schemeClr val="bg1">
-                <a:tint val="90000"/>
-                <a:shade val="90000"/>
-                <a:satMod val="200000"/>
-              </a:schemeClr>
-            </a:gs>
-            <a:gs pos="92000">
-              <a:schemeClr val="bg1">
-                <a:tint val="90000"/>
-                <a:shade val="70000"/>
-                <a:satMod val="250000"/>
-              </a:schemeClr>
-            </a:gs>
-          </a:gsLst>
-          <a:path path="circle">
-            <a:fillToRect l="50000" t="50000" r="50000" b="50000"/>
-          </a:path>
-        </a:gradFill>
-        <a:effectLst/>
-      </p:bgPr>
-    </p:bg>
     <p:spTree>
       <p:nvGrpSpPr>
         <p:cNvPr id="1" name=""/>
@@ -4905,7 +4872,7 @@
           <p:cNvPr id="2" name="Título 1">
             <a:extLst>
               <a:ext uri="{FF2B5EF4-FFF2-40B4-BE49-F238E27FC236}">
-                <a16:creationId xmlns:a16="http://schemas.microsoft.com/office/drawing/2014/main" id="{10C1FE44-AEE6-4B94-BA87-103200852654}"/>
+                <a16:creationId xmlns:a16="http://schemas.microsoft.com/office/drawing/2014/main" id="{8FF15564-88F5-4CD5-ACA9-15418F4DBD11}"/>
               </a:ext>
             </a:extLst>
           </p:cNvPr>
@@ -4913,39 +4880,70 @@
             <a:spLocks noGrp="1"/>
           </p:cNvSpPr>
           <p:nvPr>
-            <p:ph type="ctrTitle"/>
-          </p:nvPr>
-        </p:nvSpPr>
+            <p:ph type="title"/>
+          </p:nvPr>
+        </p:nvSpPr>
+        <p:spPr/>
+        <p:txBody>
+          <a:bodyPr/>
+          <a:lstStyle/>
+          <a:p>
+            <a:r>
+              <a:rPr lang="es-GT" dirty="0">
+                <a:solidFill>
+                  <a:srgbClr val="5E72E4"/>
+                </a:solidFill>
+              </a:rPr>
+              <a:t>Ejemplo</a:t>
+            </a:r>
+          </a:p>
+        </p:txBody>
+      </p:sp>
+      <p:pic>
+        <p:nvPicPr>
+          <p:cNvPr id="5" name="Imagen 4">
+            <a:extLst>
+              <a:ext uri="{FF2B5EF4-FFF2-40B4-BE49-F238E27FC236}">
+                <a16:creationId xmlns:a16="http://schemas.microsoft.com/office/drawing/2014/main" id="{D9782852-8043-4AC9-A644-1FF008DF390C}"/>
+              </a:ext>
+            </a:extLst>
+          </p:cNvPr>
+          <p:cNvPicPr>
+            <a:picLocks noChangeAspect="1"/>
+          </p:cNvPicPr>
+          <p:nvPr/>
+        </p:nvPicPr>
+        <p:blipFill>
+          <a:blip r:embed="rId2">
+            <a:clrChange>
+              <a:clrFrom>
+                <a:srgbClr val="FFFFFF"/>
+              </a:clrFrom>
+              <a:clrTo>
+                <a:srgbClr val="FFFFFF">
+                  <a:alpha val="0"/>
+                </a:srgbClr>
+              </a:clrTo>
+            </a:clrChange>
+          </a:blip>
+          <a:stretch>
+            <a:fillRect/>
+          </a:stretch>
+        </p:blipFill>
         <p:spPr>
           <a:xfrm>
-            <a:off x="914400" y="2839871"/>
-            <a:ext cx="10363200" cy="1178258"/>
+            <a:off x="609600" y="2597425"/>
+            <a:ext cx="10972801" cy="1136287"/>
           </a:xfrm>
           <a:prstGeom prst="rect">
             <a:avLst/>
           </a:prstGeom>
         </p:spPr>
-        <p:txBody>
-          <a:bodyPr anchor="b">
-            <a:normAutofit fontScale="90000"/>
-          </a:bodyPr>
-          <a:lstStyle/>
-          <a:p>
-            <a:r>
-              <a:rPr lang="es-GT" dirty="0">
-                <a:solidFill>
-                  <a:srgbClr val="5E72E4"/>
-                </a:solidFill>
-              </a:rPr>
-              <a:t>Soluciones actuales</a:t>
-            </a:r>
-          </a:p>
-        </p:txBody>
-      </p:sp>
+      </p:pic>
     </p:spTree>
     <p:extLst>
       <p:ext uri="{BB962C8B-B14F-4D97-AF65-F5344CB8AC3E}">
-        <p14:creationId xmlns:p14="http://schemas.microsoft.com/office/powerpoint/2010/main" val="1424878794"/>
+        <p14:creationId xmlns:p14="http://schemas.microsoft.com/office/powerpoint/2010/main" val="1342309318"/>
       </p:ext>
     </p:extLst>
   </p:cSld>
@@ -5009,6 +5007,110 @@
           <p:cNvPr id="2" name="Título 1">
             <a:extLst>
               <a:ext uri="{FF2B5EF4-FFF2-40B4-BE49-F238E27FC236}">
+                <a16:creationId xmlns:a16="http://schemas.microsoft.com/office/drawing/2014/main" id="{10C1FE44-AEE6-4B94-BA87-103200852654}"/>
+              </a:ext>
+            </a:extLst>
+          </p:cNvPr>
+          <p:cNvSpPr>
+            <a:spLocks noGrp="1"/>
+          </p:cNvSpPr>
+          <p:nvPr>
+            <p:ph type="ctrTitle"/>
+          </p:nvPr>
+        </p:nvSpPr>
+        <p:spPr>
+          <a:xfrm>
+            <a:off x="914400" y="2839871"/>
+            <a:ext cx="10363200" cy="1178258"/>
+          </a:xfrm>
+          <a:prstGeom prst="rect">
+            <a:avLst/>
+          </a:prstGeom>
+        </p:spPr>
+        <p:txBody>
+          <a:bodyPr anchor="b">
+            <a:normAutofit fontScale="90000"/>
+          </a:bodyPr>
+          <a:lstStyle/>
+          <a:p>
+            <a:r>
+              <a:rPr lang="es-GT" dirty="0">
+                <a:solidFill>
+                  <a:srgbClr val="5E72E4"/>
+                </a:solidFill>
+              </a:rPr>
+              <a:t>Soluciones actuales</a:t>
+            </a:r>
+          </a:p>
+        </p:txBody>
+      </p:sp>
+    </p:spTree>
+    <p:extLst>
+      <p:ext uri="{BB962C8B-B14F-4D97-AF65-F5344CB8AC3E}">
+        <p14:creationId xmlns:p14="http://schemas.microsoft.com/office/powerpoint/2010/main" val="1424878794"/>
+      </p:ext>
+    </p:extLst>
+  </p:cSld>
+  <p:clrMapOvr>
+    <a:masterClrMapping/>
+  </p:clrMapOvr>
+</p:sld>
+</file>
+
+<file path=ppt/slides/slide12.xml><?xml version="1.0" encoding="utf-8"?>
+<p:sld xmlns:a="http://schemas.openxmlformats.org/drawingml/2006/main" xmlns:r="http://schemas.openxmlformats.org/officeDocument/2006/relationships" xmlns:p="http://schemas.openxmlformats.org/presentationml/2006/main">
+  <p:cSld>
+    <p:bg>
+      <p:bgPr>
+        <a:gradFill rotWithShape="1">
+          <a:gsLst>
+            <a:gs pos="50000">
+              <a:schemeClr val="bg1">
+                <a:tint val="80000"/>
+                <a:satMod val="250000"/>
+              </a:schemeClr>
+            </a:gs>
+            <a:gs pos="76000">
+              <a:schemeClr val="bg1">
+                <a:tint val="90000"/>
+                <a:shade val="90000"/>
+                <a:satMod val="200000"/>
+              </a:schemeClr>
+            </a:gs>
+            <a:gs pos="92000">
+              <a:schemeClr val="bg1">
+                <a:tint val="90000"/>
+                <a:shade val="70000"/>
+                <a:satMod val="250000"/>
+              </a:schemeClr>
+            </a:gs>
+          </a:gsLst>
+          <a:path path="circle">
+            <a:fillToRect l="50000" t="50000" r="50000" b="50000"/>
+          </a:path>
+        </a:gradFill>
+        <a:effectLst/>
+      </p:bgPr>
+    </p:bg>
+    <p:spTree>
+      <p:nvGrpSpPr>
+        <p:cNvPr id="1" name=""/>
+        <p:cNvGrpSpPr/>
+        <p:nvPr/>
+      </p:nvGrpSpPr>
+      <p:grpSpPr>
+        <a:xfrm>
+          <a:off x="0" y="0"/>
+          <a:ext cx="0" cy="0"/>
+          <a:chOff x="0" y="0"/>
+          <a:chExt cx="0" cy="0"/>
+        </a:xfrm>
+      </p:grpSpPr>
+      <p:sp>
+        <p:nvSpPr>
+          <p:cNvPr id="2" name="Título 1">
+            <a:extLst>
+              <a:ext uri="{FF2B5EF4-FFF2-40B4-BE49-F238E27FC236}">
                 <a16:creationId xmlns:a16="http://schemas.microsoft.com/office/drawing/2014/main" id="{8504F293-B803-4F54-829B-723434C769BB}"/>
               </a:ext>
             </a:extLst>
@@ -5097,7 +5199,7 @@
 </p:sld>
 </file>
 
-<file path=ppt/slides/slide12.xml><?xml version="1.0" encoding="utf-8"?>
+<file path=ppt/slides/slide13.xml><?xml version="1.0" encoding="utf-8"?>
 <p:sld xmlns:a="http://schemas.openxmlformats.org/drawingml/2006/main" xmlns:r="http://schemas.openxmlformats.org/officeDocument/2006/relationships" xmlns:p="http://schemas.openxmlformats.org/presentationml/2006/main">
   <p:cSld>
     <p:spTree>
@@ -5236,7 +5338,7 @@
 </p:sld>
 </file>
 
-<file path=ppt/slides/slide13.xml><?xml version="1.0" encoding="utf-8"?>
+<file path=ppt/slides/slide14.xml><?xml version="1.0" encoding="utf-8"?>
 <p:sld xmlns:a="http://schemas.openxmlformats.org/drawingml/2006/main" xmlns:r="http://schemas.openxmlformats.org/officeDocument/2006/relationships" xmlns:p="http://schemas.openxmlformats.org/presentationml/2006/main">
   <p:cSld>
     <p:spTree>
@@ -5365,7 +5467,7 @@
 </p:sld>
 </file>
 
-<file path=ppt/slides/slide14.xml><?xml version="1.0" encoding="utf-8"?>
+<file path=ppt/slides/slide15.xml><?xml version="1.0" encoding="utf-8"?>
 <p:sld xmlns:a="http://schemas.openxmlformats.org/drawingml/2006/main" xmlns:r="http://schemas.openxmlformats.org/officeDocument/2006/relationships" xmlns:p="http://schemas.openxmlformats.org/presentationml/2006/main">
   <p:cSld>
     <p:spTree>
@@ -5464,7 +5566,7 @@
 </p:sld>
 </file>
 
-<file path=ppt/slides/slide15.xml><?xml version="1.0" encoding="utf-8"?>
+<file path=ppt/slides/slide16.xml><?xml version="1.0" encoding="utf-8"?>
 <p:sld xmlns:a="http://schemas.openxmlformats.org/drawingml/2006/main" xmlns:r="http://schemas.openxmlformats.org/officeDocument/2006/relationships" xmlns:p="http://schemas.openxmlformats.org/presentationml/2006/main">
   <p:cSld>
     <p:spTree>
@@ -5600,157 +5702,6 @@
     <p:extLst>
       <p:ext uri="{BB962C8B-B14F-4D97-AF65-F5344CB8AC3E}">
         <p14:creationId xmlns:p14="http://schemas.microsoft.com/office/powerpoint/2010/main" val="2955450580"/>
-      </p:ext>
-    </p:extLst>
-  </p:cSld>
-  <p:clrMapOvr>
-    <a:masterClrMapping/>
-  </p:clrMapOvr>
-</p:sld>
-</file>
-
-<file path=ppt/slides/slide16.xml><?xml version="1.0" encoding="utf-8"?>
-<p:sld xmlns:a="http://schemas.openxmlformats.org/drawingml/2006/main" xmlns:r="http://schemas.openxmlformats.org/officeDocument/2006/relationships" xmlns:p="http://schemas.openxmlformats.org/presentationml/2006/main">
-  <p:cSld>
-    <p:bg>
-      <p:bgPr>
-        <a:gradFill rotWithShape="1">
-          <a:gsLst>
-            <a:gs pos="50000">
-              <a:schemeClr val="bg1">
-                <a:tint val="80000"/>
-                <a:satMod val="250000"/>
-              </a:schemeClr>
-            </a:gs>
-            <a:gs pos="76000">
-              <a:schemeClr val="bg1">
-                <a:tint val="90000"/>
-                <a:shade val="90000"/>
-                <a:satMod val="200000"/>
-              </a:schemeClr>
-            </a:gs>
-            <a:gs pos="92000">
-              <a:schemeClr val="bg1">
-                <a:tint val="90000"/>
-                <a:shade val="70000"/>
-                <a:satMod val="250000"/>
-              </a:schemeClr>
-            </a:gs>
-          </a:gsLst>
-          <a:path path="circle">
-            <a:fillToRect l="50000" t="50000" r="50000" b="50000"/>
-          </a:path>
-        </a:gradFill>
-        <a:effectLst/>
-      </p:bgPr>
-    </p:bg>
-    <p:spTree>
-      <p:nvGrpSpPr>
-        <p:cNvPr id="1" name=""/>
-        <p:cNvGrpSpPr/>
-        <p:nvPr/>
-      </p:nvGrpSpPr>
-      <p:grpSpPr>
-        <a:xfrm>
-          <a:off x="0" y="0"/>
-          <a:ext cx="0" cy="0"/>
-          <a:chOff x="0" y="0"/>
-          <a:chExt cx="0" cy="0"/>
-        </a:xfrm>
-      </p:grpSpPr>
-      <p:sp>
-        <p:nvSpPr>
-          <p:cNvPr id="9" name="Title 1">
-            <a:extLst>
-              <a:ext uri="{FF2B5EF4-FFF2-40B4-BE49-F238E27FC236}">
-                <a16:creationId xmlns:a16="http://schemas.microsoft.com/office/drawing/2014/main" id="{A85E31A4-85F3-4AD5-834B-07E2C6D69E82}"/>
-              </a:ext>
-            </a:extLst>
-          </p:cNvPr>
-          <p:cNvSpPr>
-            <a:spLocks noGrp="1"/>
-          </p:cNvSpPr>
-          <p:nvPr>
-            <p:ph type="title"/>
-          </p:nvPr>
-        </p:nvSpPr>
-        <p:spPr>
-          <a:xfrm>
-            <a:off x="268406" y="379542"/>
-            <a:ext cx="6514531" cy="868364"/>
-          </a:xfrm>
-        </p:spPr>
-        <p:txBody>
-          <a:bodyPr/>
-          <a:lstStyle/>
-          <a:p>
-            <a:r>
-              <a:rPr lang="en-US" dirty="0" err="1">
-                <a:solidFill>
-                  <a:srgbClr val="5E72E4"/>
-                </a:solidFill>
-              </a:rPr>
-              <a:t>Acceso</a:t>
-            </a:r>
-            <a:r>
-              <a:rPr lang="en-US" dirty="0">
-                <a:solidFill>
-                  <a:srgbClr val="5E72E4"/>
-                </a:solidFill>
-              </a:rPr>
-              <a:t> a </a:t>
-            </a:r>
-            <a:r>
-              <a:rPr lang="en-US" dirty="0" err="1">
-                <a:solidFill>
-                  <a:srgbClr val="5E72E4"/>
-                </a:solidFill>
-              </a:rPr>
-              <a:t>legislación</a:t>
-            </a:r>
-            <a:endParaRPr lang="en-US" dirty="0">
-              <a:solidFill>
-                <a:srgbClr val="5E72E4"/>
-              </a:solidFill>
-            </a:endParaRPr>
-          </a:p>
-        </p:txBody>
-      </p:sp>
-      <p:pic>
-        <p:nvPicPr>
-          <p:cNvPr id="4" name="Imagen 3">
-            <a:extLst>
-              <a:ext uri="{FF2B5EF4-FFF2-40B4-BE49-F238E27FC236}">
-                <a16:creationId xmlns:a16="http://schemas.microsoft.com/office/drawing/2014/main" id="{4737F706-CB60-49AC-8EDC-FC18A251F2FF}"/>
-              </a:ext>
-            </a:extLst>
-          </p:cNvPr>
-          <p:cNvPicPr>
-            <a:picLocks noChangeAspect="1"/>
-          </p:cNvPicPr>
-          <p:nvPr/>
-        </p:nvPicPr>
-        <p:blipFill>
-          <a:blip r:embed="rId2"/>
-          <a:stretch>
-            <a:fillRect/>
-          </a:stretch>
-        </p:blipFill>
-        <p:spPr>
-          <a:xfrm>
-            <a:off x="1306620" y="1600201"/>
-            <a:ext cx="9578759" cy="4525963"/>
-          </a:xfrm>
-          <a:prstGeom prst="rect">
-            <a:avLst/>
-          </a:prstGeom>
-          <a:noFill/>
-        </p:spPr>
-      </p:pic>
-    </p:spTree>
-    <p:extLst>
-      <p:ext uri="{BB962C8B-B14F-4D97-AF65-F5344CB8AC3E}">
-        <p14:creationId xmlns:p14="http://schemas.microsoft.com/office/powerpoint/2010/main" val="508003320"/>
       </p:ext>
     </p:extLst>
   </p:cSld>
@@ -5811,6 +5762,157 @@
       </p:grpSpPr>
       <p:sp>
         <p:nvSpPr>
+          <p:cNvPr id="9" name="Title 1">
+            <a:extLst>
+              <a:ext uri="{FF2B5EF4-FFF2-40B4-BE49-F238E27FC236}">
+                <a16:creationId xmlns:a16="http://schemas.microsoft.com/office/drawing/2014/main" id="{A85E31A4-85F3-4AD5-834B-07E2C6D69E82}"/>
+              </a:ext>
+            </a:extLst>
+          </p:cNvPr>
+          <p:cNvSpPr>
+            <a:spLocks noGrp="1"/>
+          </p:cNvSpPr>
+          <p:nvPr>
+            <p:ph type="title"/>
+          </p:nvPr>
+        </p:nvSpPr>
+        <p:spPr>
+          <a:xfrm>
+            <a:off x="268406" y="379542"/>
+            <a:ext cx="6514531" cy="868364"/>
+          </a:xfrm>
+        </p:spPr>
+        <p:txBody>
+          <a:bodyPr/>
+          <a:lstStyle/>
+          <a:p>
+            <a:r>
+              <a:rPr lang="en-US" dirty="0" err="1">
+                <a:solidFill>
+                  <a:srgbClr val="5E72E4"/>
+                </a:solidFill>
+              </a:rPr>
+              <a:t>Acceso</a:t>
+            </a:r>
+            <a:r>
+              <a:rPr lang="en-US" dirty="0">
+                <a:solidFill>
+                  <a:srgbClr val="5E72E4"/>
+                </a:solidFill>
+              </a:rPr>
+              <a:t> a </a:t>
+            </a:r>
+            <a:r>
+              <a:rPr lang="en-US" dirty="0" err="1">
+                <a:solidFill>
+                  <a:srgbClr val="5E72E4"/>
+                </a:solidFill>
+              </a:rPr>
+              <a:t>legislación</a:t>
+            </a:r>
+            <a:endParaRPr lang="en-US" dirty="0">
+              <a:solidFill>
+                <a:srgbClr val="5E72E4"/>
+              </a:solidFill>
+            </a:endParaRPr>
+          </a:p>
+        </p:txBody>
+      </p:sp>
+      <p:pic>
+        <p:nvPicPr>
+          <p:cNvPr id="4" name="Imagen 3">
+            <a:extLst>
+              <a:ext uri="{FF2B5EF4-FFF2-40B4-BE49-F238E27FC236}">
+                <a16:creationId xmlns:a16="http://schemas.microsoft.com/office/drawing/2014/main" id="{4737F706-CB60-49AC-8EDC-FC18A251F2FF}"/>
+              </a:ext>
+            </a:extLst>
+          </p:cNvPr>
+          <p:cNvPicPr>
+            <a:picLocks noChangeAspect="1"/>
+          </p:cNvPicPr>
+          <p:nvPr/>
+        </p:nvPicPr>
+        <p:blipFill>
+          <a:blip r:embed="rId2"/>
+          <a:stretch>
+            <a:fillRect/>
+          </a:stretch>
+        </p:blipFill>
+        <p:spPr>
+          <a:xfrm>
+            <a:off x="1306620" y="1600201"/>
+            <a:ext cx="9578759" cy="4525963"/>
+          </a:xfrm>
+          <a:prstGeom prst="rect">
+            <a:avLst/>
+          </a:prstGeom>
+          <a:noFill/>
+        </p:spPr>
+      </p:pic>
+    </p:spTree>
+    <p:extLst>
+      <p:ext uri="{BB962C8B-B14F-4D97-AF65-F5344CB8AC3E}">
+        <p14:creationId xmlns:p14="http://schemas.microsoft.com/office/powerpoint/2010/main" val="508003320"/>
+      </p:ext>
+    </p:extLst>
+  </p:cSld>
+  <p:clrMapOvr>
+    <a:masterClrMapping/>
+  </p:clrMapOvr>
+</p:sld>
+</file>
+
+<file path=ppt/slides/slide18.xml><?xml version="1.0" encoding="utf-8"?>
+<p:sld xmlns:a="http://schemas.openxmlformats.org/drawingml/2006/main" xmlns:r="http://schemas.openxmlformats.org/officeDocument/2006/relationships" xmlns:p="http://schemas.openxmlformats.org/presentationml/2006/main">
+  <p:cSld>
+    <p:bg>
+      <p:bgPr>
+        <a:gradFill rotWithShape="1">
+          <a:gsLst>
+            <a:gs pos="50000">
+              <a:schemeClr val="bg1">
+                <a:tint val="80000"/>
+                <a:satMod val="250000"/>
+              </a:schemeClr>
+            </a:gs>
+            <a:gs pos="76000">
+              <a:schemeClr val="bg1">
+                <a:tint val="90000"/>
+                <a:shade val="90000"/>
+                <a:satMod val="200000"/>
+              </a:schemeClr>
+            </a:gs>
+            <a:gs pos="92000">
+              <a:schemeClr val="bg1">
+                <a:tint val="90000"/>
+                <a:shade val="70000"/>
+                <a:satMod val="250000"/>
+              </a:schemeClr>
+            </a:gs>
+          </a:gsLst>
+          <a:path path="circle">
+            <a:fillToRect l="50000" t="50000" r="50000" b="50000"/>
+          </a:path>
+        </a:gradFill>
+        <a:effectLst/>
+      </p:bgPr>
+    </p:bg>
+    <p:spTree>
+      <p:nvGrpSpPr>
+        <p:cNvPr id="1" name=""/>
+        <p:cNvGrpSpPr/>
+        <p:nvPr/>
+      </p:nvGrpSpPr>
+      <p:grpSpPr>
+        <a:xfrm>
+          <a:off x="0" y="0"/>
+          <a:ext cx="0" cy="0"/>
+          <a:chOff x="0" y="0"/>
+          <a:chExt cx="0" cy="0"/>
+        </a:xfrm>
+      </p:grpSpPr>
+      <p:sp>
+        <p:nvSpPr>
           <p:cNvPr id="8" name="Title 1">
             <a:extLst>
               <a:ext uri="{FF2B5EF4-FFF2-40B4-BE49-F238E27FC236}">
@@ -5903,7 +6005,7 @@
 </p:sld>
 </file>
 
-<file path=ppt/slides/slide18.xml><?xml version="1.0" encoding="utf-8"?>
+<file path=ppt/slides/slide19.xml><?xml version="1.0" encoding="utf-8"?>
 <p:sld xmlns:a="http://schemas.openxmlformats.org/drawingml/2006/main" xmlns:r="http://schemas.openxmlformats.org/officeDocument/2006/relationships" xmlns:p="http://schemas.openxmlformats.org/presentationml/2006/main">
   <p:cSld>
     <p:spTree>
@@ -5991,146 +6093,6 @@
     <p:extLst>
       <p:ext uri="{BB962C8B-B14F-4D97-AF65-F5344CB8AC3E}">
         <p14:creationId xmlns:p14="http://schemas.microsoft.com/office/powerpoint/2010/main" val="3705596409"/>
-      </p:ext>
-    </p:extLst>
-  </p:cSld>
-  <p:clrMapOvr>
-    <a:masterClrMapping/>
-  </p:clrMapOvr>
-</p:sld>
-</file>
-
-<file path=ppt/slides/slide19.xml><?xml version="1.0" encoding="utf-8"?>
-<p:sld xmlns:a="http://schemas.openxmlformats.org/drawingml/2006/main" xmlns:r="http://schemas.openxmlformats.org/officeDocument/2006/relationships" xmlns:p="http://schemas.openxmlformats.org/presentationml/2006/main">
-  <p:cSld>
-    <p:spTree>
-      <p:nvGrpSpPr>
-        <p:cNvPr id="1" name=""/>
-        <p:cNvGrpSpPr/>
-        <p:nvPr/>
-      </p:nvGrpSpPr>
-      <p:grpSpPr>
-        <a:xfrm>
-          <a:off x="0" y="0"/>
-          <a:ext cx="0" cy="0"/>
-          <a:chOff x="0" y="0"/>
-          <a:chExt cx="0" cy="0"/>
-        </a:xfrm>
-      </p:grpSpPr>
-      <p:sp>
-        <p:nvSpPr>
-          <p:cNvPr id="7" name="Título 6">
-            <a:extLst>
-              <a:ext uri="{FF2B5EF4-FFF2-40B4-BE49-F238E27FC236}">
-                <a16:creationId xmlns:a16="http://schemas.microsoft.com/office/drawing/2014/main" id="{60647F1C-B06E-40FB-964E-768CCF045E22}"/>
-              </a:ext>
-            </a:extLst>
-          </p:cNvPr>
-          <p:cNvSpPr>
-            <a:spLocks noGrp="1"/>
-          </p:cNvSpPr>
-          <p:nvPr>
-            <p:ph type="title"/>
-          </p:nvPr>
-        </p:nvSpPr>
-        <p:spPr>
-          <a:xfrm>
-            <a:off x="609600" y="13253"/>
-            <a:ext cx="10972800" cy="1600200"/>
-          </a:xfrm>
-        </p:spPr>
-        <p:txBody>
-          <a:bodyPr/>
-          <a:lstStyle/>
-          <a:p>
-            <a:r>
-              <a:rPr lang="es-GT" dirty="0">
-                <a:solidFill>
-                  <a:srgbClr val="5E72E4"/>
-                </a:solidFill>
-              </a:rPr>
-              <a:t>Objetivos</a:t>
-            </a:r>
-          </a:p>
-        </p:txBody>
-      </p:sp>
-      <p:sp>
-        <p:nvSpPr>
-          <p:cNvPr id="8" name="Marcador de contenido 7">
-            <a:extLst>
-              <a:ext uri="{FF2B5EF4-FFF2-40B4-BE49-F238E27FC236}">
-                <a16:creationId xmlns:a16="http://schemas.microsoft.com/office/drawing/2014/main" id="{D87D0A54-9FFC-46FF-8AE5-780DFBBA96D6}"/>
-              </a:ext>
-            </a:extLst>
-          </p:cNvPr>
-          <p:cNvSpPr>
-            <a:spLocks noGrp="1"/>
-          </p:cNvSpPr>
-          <p:nvPr>
-            <p:ph idx="1"/>
-          </p:nvPr>
-        </p:nvSpPr>
-        <p:spPr>
-          <a:xfrm>
-            <a:off x="838200" y="1690688"/>
-            <a:ext cx="10515600" cy="4802187"/>
-          </a:xfrm>
-        </p:spPr>
-        <p:txBody>
-          <a:bodyPr>
-            <a:normAutofit/>
-          </a:bodyPr>
-          <a:lstStyle/>
-          <a:p>
-            <a:pPr marL="0" indent="0">
-              <a:buNone/>
-            </a:pPr>
-            <a:r>
-              <a:rPr lang="en-US" b="1" dirty="0"/>
-              <a:t>GENERAL</a:t>
-            </a:r>
-            <a:endParaRPr lang="es-GT" b="1" dirty="0"/>
-          </a:p>
-          <a:p>
-            <a:pPr lvl="0"/>
-            <a:r>
-              <a:rPr lang="es-419" dirty="0"/>
-              <a:t>Brindar una solución fácil y rápida para acceder, consultar e interpretar las leyes guatemaltecas en cualquier momento a través de una aplicación web.</a:t>
-            </a:r>
-            <a:endParaRPr lang="es-GT" dirty="0"/>
-          </a:p>
-          <a:p>
-            <a:pPr marL="0" indent="0">
-              <a:buNone/>
-            </a:pPr>
-            <a:r>
-              <a:rPr lang="es-419" b="1" dirty="0"/>
-              <a:t>ESPECÍFICOS</a:t>
-            </a:r>
-            <a:endParaRPr lang="es-GT" b="1" dirty="0"/>
-          </a:p>
-          <a:p>
-            <a:pPr lvl="0"/>
-            <a:r>
-              <a:rPr lang="es-419" dirty="0"/>
-              <a:t>Proveer a los usuarios una plataforma fácil de utilizar que agilice y ayude a la búsqueda e interpretación de los documentos legales.</a:t>
-            </a:r>
-            <a:endParaRPr lang="es-GT" dirty="0"/>
-          </a:p>
-          <a:p>
-            <a:pPr lvl="0"/>
-            <a:r>
-              <a:rPr lang="es-419" dirty="0"/>
-              <a:t>Proveer la facilidad de hacer anotaciones o comentarios de artículos específicos, para facilitar el estudio y recordatorio de las mismas.</a:t>
-            </a:r>
-            <a:endParaRPr lang="es-GT" dirty="0"/>
-          </a:p>
-        </p:txBody>
-      </p:sp>
-    </p:spTree>
-    <p:extLst>
-      <p:ext uri="{BB962C8B-B14F-4D97-AF65-F5344CB8AC3E}">
-        <p14:creationId xmlns:p14="http://schemas.microsoft.com/office/powerpoint/2010/main" val="2083567734"/>
       </p:ext>
     </p:extLst>
   </p:cSld>
@@ -6263,6 +6225,146 @@
       </p:grpSpPr>
       <p:sp>
         <p:nvSpPr>
+          <p:cNvPr id="7" name="Título 6">
+            <a:extLst>
+              <a:ext uri="{FF2B5EF4-FFF2-40B4-BE49-F238E27FC236}">
+                <a16:creationId xmlns:a16="http://schemas.microsoft.com/office/drawing/2014/main" id="{60647F1C-B06E-40FB-964E-768CCF045E22}"/>
+              </a:ext>
+            </a:extLst>
+          </p:cNvPr>
+          <p:cNvSpPr>
+            <a:spLocks noGrp="1"/>
+          </p:cNvSpPr>
+          <p:nvPr>
+            <p:ph type="title"/>
+          </p:nvPr>
+        </p:nvSpPr>
+        <p:spPr>
+          <a:xfrm>
+            <a:off x="609600" y="13253"/>
+            <a:ext cx="10972800" cy="1600200"/>
+          </a:xfrm>
+        </p:spPr>
+        <p:txBody>
+          <a:bodyPr/>
+          <a:lstStyle/>
+          <a:p>
+            <a:r>
+              <a:rPr lang="es-GT" dirty="0">
+                <a:solidFill>
+                  <a:srgbClr val="5E72E4"/>
+                </a:solidFill>
+              </a:rPr>
+              <a:t>Objetivos</a:t>
+            </a:r>
+          </a:p>
+        </p:txBody>
+      </p:sp>
+      <p:sp>
+        <p:nvSpPr>
+          <p:cNvPr id="8" name="Marcador de contenido 7">
+            <a:extLst>
+              <a:ext uri="{FF2B5EF4-FFF2-40B4-BE49-F238E27FC236}">
+                <a16:creationId xmlns:a16="http://schemas.microsoft.com/office/drawing/2014/main" id="{D87D0A54-9FFC-46FF-8AE5-780DFBBA96D6}"/>
+              </a:ext>
+            </a:extLst>
+          </p:cNvPr>
+          <p:cNvSpPr>
+            <a:spLocks noGrp="1"/>
+          </p:cNvSpPr>
+          <p:nvPr>
+            <p:ph idx="1"/>
+          </p:nvPr>
+        </p:nvSpPr>
+        <p:spPr>
+          <a:xfrm>
+            <a:off x="838200" y="1690688"/>
+            <a:ext cx="10515600" cy="4802187"/>
+          </a:xfrm>
+        </p:spPr>
+        <p:txBody>
+          <a:bodyPr>
+            <a:normAutofit/>
+          </a:bodyPr>
+          <a:lstStyle/>
+          <a:p>
+            <a:pPr marL="0" indent="0">
+              <a:buNone/>
+            </a:pPr>
+            <a:r>
+              <a:rPr lang="en-US" b="1" dirty="0"/>
+              <a:t>GENERAL</a:t>
+            </a:r>
+            <a:endParaRPr lang="es-GT" b="1" dirty="0"/>
+          </a:p>
+          <a:p>
+            <a:pPr lvl="0"/>
+            <a:r>
+              <a:rPr lang="es-419" dirty="0"/>
+              <a:t>Brindar una solución fácil y rápida para acceder, consultar e interpretar las leyes guatemaltecas en cualquier momento a través de una aplicación web.</a:t>
+            </a:r>
+            <a:endParaRPr lang="es-GT" dirty="0"/>
+          </a:p>
+          <a:p>
+            <a:pPr marL="0" indent="0">
+              <a:buNone/>
+            </a:pPr>
+            <a:r>
+              <a:rPr lang="es-419" b="1" dirty="0"/>
+              <a:t>ESPECÍFICOS</a:t>
+            </a:r>
+            <a:endParaRPr lang="es-GT" b="1" dirty="0"/>
+          </a:p>
+          <a:p>
+            <a:pPr lvl="0"/>
+            <a:r>
+              <a:rPr lang="es-419" dirty="0"/>
+              <a:t>Proveer a los usuarios una plataforma fácil de utilizar que agilice y ayude a la búsqueda e interpretación de los documentos legales.</a:t>
+            </a:r>
+            <a:endParaRPr lang="es-GT" dirty="0"/>
+          </a:p>
+          <a:p>
+            <a:pPr lvl="0"/>
+            <a:r>
+              <a:rPr lang="es-419" dirty="0"/>
+              <a:t>Proveer la facilidad de hacer anotaciones o comentarios de artículos específicos, para facilitar el estudio y recordatorio de las mismas.</a:t>
+            </a:r>
+            <a:endParaRPr lang="es-GT" dirty="0"/>
+          </a:p>
+        </p:txBody>
+      </p:sp>
+    </p:spTree>
+    <p:extLst>
+      <p:ext uri="{BB962C8B-B14F-4D97-AF65-F5344CB8AC3E}">
+        <p14:creationId xmlns:p14="http://schemas.microsoft.com/office/powerpoint/2010/main" val="2083567734"/>
+      </p:ext>
+    </p:extLst>
+  </p:cSld>
+  <p:clrMapOvr>
+    <a:masterClrMapping/>
+  </p:clrMapOvr>
+</p:sld>
+</file>
+
+<file path=ppt/slides/slide21.xml><?xml version="1.0" encoding="utf-8"?>
+<p:sld xmlns:a="http://schemas.openxmlformats.org/drawingml/2006/main" xmlns:r="http://schemas.openxmlformats.org/officeDocument/2006/relationships" xmlns:p="http://schemas.openxmlformats.org/presentationml/2006/main">
+  <p:cSld>
+    <p:spTree>
+      <p:nvGrpSpPr>
+        <p:cNvPr id="1" name=""/>
+        <p:cNvGrpSpPr/>
+        <p:nvPr/>
+      </p:nvGrpSpPr>
+      <p:grpSpPr>
+        <a:xfrm>
+          <a:off x="0" y="0"/>
+          <a:ext cx="0" cy="0"/>
+          <a:chOff x="0" y="0"/>
+          <a:chExt cx="0" cy="0"/>
+        </a:xfrm>
+      </p:grpSpPr>
+      <p:sp>
+        <p:nvSpPr>
           <p:cNvPr id="2" name="Título 1">
             <a:extLst>
               <a:ext uri="{FF2B5EF4-FFF2-40B4-BE49-F238E27FC236}">
@@ -6378,7 +6480,7 @@
 </p:sld>
 </file>
 
-<file path=ppt/slides/slide21.xml><?xml version="1.0" encoding="utf-8"?>
+<file path=ppt/slides/slide22.xml><?xml version="1.0" encoding="utf-8"?>
 <p:sld xmlns:a="http://schemas.openxmlformats.org/drawingml/2006/main" xmlns:r="http://schemas.openxmlformats.org/officeDocument/2006/relationships" xmlns:p="http://schemas.openxmlformats.org/presentationml/2006/main">
   <p:cSld>
     <p:bg>
@@ -6563,7 +6665,7 @@
 </p:sld>
 </file>
 
-<file path=ppt/slides/slide22.xml><?xml version="1.0" encoding="utf-8"?>
+<file path=ppt/slides/slide23.xml><?xml version="1.0" encoding="utf-8"?>
 <p:sld xmlns:a="http://schemas.openxmlformats.org/drawingml/2006/main" xmlns:r="http://schemas.openxmlformats.org/officeDocument/2006/relationships" xmlns:p="http://schemas.openxmlformats.org/presentationml/2006/main">
   <p:cSld>
     <p:spTree>
@@ -6677,7 +6779,7 @@
 </p:sld>
 </file>
 
-<file path=ppt/slides/slide23.xml><?xml version="1.0" encoding="utf-8"?>
+<file path=ppt/slides/slide24.xml><?xml version="1.0" encoding="utf-8"?>
 <p:sld xmlns:a="http://schemas.openxmlformats.org/drawingml/2006/main" xmlns:r="http://schemas.openxmlformats.org/officeDocument/2006/relationships" xmlns:p="http://schemas.openxmlformats.org/presentationml/2006/main">
   <p:cSld>
     <p:spTree>
@@ -6784,120 +6886,6 @@
     <p:extLst>
       <p:ext uri="{BB962C8B-B14F-4D97-AF65-F5344CB8AC3E}">
         <p14:creationId xmlns:p14="http://schemas.microsoft.com/office/powerpoint/2010/main" val="3282723530"/>
-      </p:ext>
-    </p:extLst>
-  </p:cSld>
-  <p:clrMapOvr>
-    <a:masterClrMapping/>
-  </p:clrMapOvr>
-</p:sld>
-</file>
-
-<file path=ppt/slides/slide24.xml><?xml version="1.0" encoding="utf-8"?>
-<p:sld xmlns:a="http://schemas.openxmlformats.org/drawingml/2006/main" xmlns:r="http://schemas.openxmlformats.org/officeDocument/2006/relationships" xmlns:p="http://schemas.openxmlformats.org/presentationml/2006/main">
-  <p:cSld>
-    <p:spTree>
-      <p:nvGrpSpPr>
-        <p:cNvPr id="1" name=""/>
-        <p:cNvGrpSpPr/>
-        <p:nvPr/>
-      </p:nvGrpSpPr>
-      <p:grpSpPr>
-        <a:xfrm>
-          <a:off x="0" y="0"/>
-          <a:ext cx="0" cy="0"/>
-          <a:chOff x="0" y="0"/>
-          <a:chExt cx="0" cy="0"/>
-        </a:xfrm>
-      </p:grpSpPr>
-      <p:sp>
-        <p:nvSpPr>
-          <p:cNvPr id="2" name="Título 1">
-            <a:extLst>
-              <a:ext uri="{FF2B5EF4-FFF2-40B4-BE49-F238E27FC236}">
-                <a16:creationId xmlns:a16="http://schemas.microsoft.com/office/drawing/2014/main" id="{0DA3C907-BE9B-454D-89AC-6CF9E0AC4118}"/>
-              </a:ext>
-            </a:extLst>
-          </p:cNvPr>
-          <p:cNvSpPr>
-            <a:spLocks noGrp="1"/>
-          </p:cNvSpPr>
-          <p:nvPr>
-            <p:ph type="title"/>
-          </p:nvPr>
-        </p:nvSpPr>
-        <p:spPr>
-          <a:xfrm>
-            <a:off x="609600" y="-13253"/>
-            <a:ext cx="10972800" cy="1600200"/>
-          </a:xfrm>
-        </p:spPr>
-        <p:txBody>
-          <a:bodyPr/>
-          <a:lstStyle/>
-          <a:p>
-            <a:r>
-              <a:rPr lang="es-GT" dirty="0">
-                <a:solidFill>
-                  <a:srgbClr val="5E72E4"/>
-                </a:solidFill>
-              </a:rPr>
-              <a:t>Diagrama de secuencia: favorito</a:t>
-            </a:r>
-          </a:p>
-        </p:txBody>
-      </p:sp>
-      <p:pic>
-        <p:nvPicPr>
-          <p:cNvPr id="5122" name="Picture 2">
-            <a:extLst>
-              <a:ext uri="{FF2B5EF4-FFF2-40B4-BE49-F238E27FC236}">
-                <a16:creationId xmlns:a16="http://schemas.microsoft.com/office/drawing/2014/main" id="{66396FFD-537B-4CD4-83BE-0DC5521D0DA9}"/>
-              </a:ext>
-            </a:extLst>
-          </p:cNvPr>
-          <p:cNvPicPr>
-            <a:picLocks noGrp="1" noChangeAspect="1" noChangeArrowheads="1"/>
-          </p:cNvPicPr>
-          <p:nvPr>
-            <p:ph idx="1"/>
-          </p:nvPr>
-        </p:nvPicPr>
-        <p:blipFill rotWithShape="1">
-          <a:blip r:embed="rId2">
-            <a:extLst>
-              <a:ext uri="{28A0092B-C50C-407E-A947-70E740481C1C}">
-                <a14:useLocalDpi xmlns:a14="http://schemas.microsoft.com/office/drawing/2010/main" val="0"/>
-              </a:ext>
-            </a:extLst>
-          </a:blip>
-          <a:srcRect r="2074"/>
-          <a:stretch/>
-        </p:blipFill>
-        <p:spPr bwMode="auto">
-          <a:xfrm>
-            <a:off x="2764043" y="1804442"/>
-            <a:ext cx="6525732" cy="4092078"/>
-          </a:xfrm>
-          <a:prstGeom prst="rect">
-            <a:avLst/>
-          </a:prstGeom>
-          <a:noFill/>
-          <a:extLst>
-            <a:ext uri="{909E8E84-426E-40DD-AFC4-6F175D3DCCD1}">
-              <a14:hiddenFill xmlns:a14="http://schemas.microsoft.com/office/drawing/2010/main">
-                <a:solidFill>
-                  <a:srgbClr val="FFFFFF"/>
-                </a:solidFill>
-              </a14:hiddenFill>
-            </a:ext>
-          </a:extLst>
-        </p:spPr>
-      </p:pic>
-    </p:spTree>
-    <p:extLst>
-      <p:ext uri="{BB962C8B-B14F-4D97-AF65-F5344CB8AC3E}">
-        <p14:creationId xmlns:p14="http://schemas.microsoft.com/office/powerpoint/2010/main" val="134640133"/>
       </p:ext>
     </p:extLst>
   </p:cSld>
@@ -7040,117 +7028,6 @@
           <p:cNvPr id="2" name="Título 1">
             <a:extLst>
               <a:ext uri="{FF2B5EF4-FFF2-40B4-BE49-F238E27FC236}">
-                <a16:creationId xmlns:a16="http://schemas.microsoft.com/office/drawing/2014/main" id="{64553976-E6E5-41B7-8873-E1B918F300B6}"/>
-              </a:ext>
-            </a:extLst>
-          </p:cNvPr>
-          <p:cNvSpPr>
-            <a:spLocks noGrp="1"/>
-          </p:cNvSpPr>
-          <p:nvPr>
-            <p:ph type="title"/>
-          </p:nvPr>
-        </p:nvSpPr>
-        <p:spPr/>
-        <p:txBody>
-          <a:bodyPr/>
-          <a:lstStyle/>
-          <a:p>
-            <a:r>
-              <a:rPr lang="es-GT" dirty="0">
-                <a:solidFill>
-                  <a:srgbClr val="5E72E4"/>
-                </a:solidFill>
-              </a:rPr>
-              <a:t>Diagrama de secuencia: comentario</a:t>
-            </a:r>
-          </a:p>
-        </p:txBody>
-      </p:sp>
-      <p:pic>
-        <p:nvPicPr>
-          <p:cNvPr id="7170" name="Picture 2">
-            <a:extLst>
-              <a:ext uri="{FF2B5EF4-FFF2-40B4-BE49-F238E27FC236}">
-                <a16:creationId xmlns:a16="http://schemas.microsoft.com/office/drawing/2014/main" id="{FA111ADB-6E06-457D-9178-E535EA447BEE}"/>
-              </a:ext>
-            </a:extLst>
-          </p:cNvPr>
-          <p:cNvPicPr>
-            <a:picLocks noGrp="1" noChangeAspect="1" noChangeArrowheads="1"/>
-          </p:cNvPicPr>
-          <p:nvPr>
-            <p:ph idx="1"/>
-          </p:nvPr>
-        </p:nvPicPr>
-        <p:blipFill>
-          <a:blip r:embed="rId2">
-            <a:extLst>
-              <a:ext uri="{28A0092B-C50C-407E-A947-70E740481C1C}">
-                <a14:useLocalDpi xmlns:a14="http://schemas.microsoft.com/office/drawing/2010/main" val="0"/>
-              </a:ext>
-            </a:extLst>
-          </a:blip>
-          <a:srcRect/>
-          <a:stretch>
-            <a:fillRect/>
-          </a:stretch>
-        </p:blipFill>
-        <p:spPr bwMode="auto">
-          <a:xfrm>
-            <a:off x="3011140" y="1612900"/>
-            <a:ext cx="6169720" cy="4525963"/>
-          </a:xfrm>
-          <a:prstGeom prst="rect">
-            <a:avLst/>
-          </a:prstGeom>
-          <a:noFill/>
-          <a:extLst>
-            <a:ext uri="{909E8E84-426E-40DD-AFC4-6F175D3DCCD1}">
-              <a14:hiddenFill xmlns:a14="http://schemas.microsoft.com/office/drawing/2010/main">
-                <a:solidFill>
-                  <a:srgbClr val="FFFFFF"/>
-                </a:solidFill>
-              </a14:hiddenFill>
-            </a:ext>
-          </a:extLst>
-        </p:spPr>
-      </p:pic>
-    </p:spTree>
-    <p:extLst>
-      <p:ext uri="{BB962C8B-B14F-4D97-AF65-F5344CB8AC3E}">
-        <p14:creationId xmlns:p14="http://schemas.microsoft.com/office/powerpoint/2010/main" val="3082994668"/>
-      </p:ext>
-    </p:extLst>
-  </p:cSld>
-  <p:clrMapOvr>
-    <a:masterClrMapping/>
-  </p:clrMapOvr>
-</p:sld>
-</file>
-
-<file path=ppt/slides/slide27.xml><?xml version="1.0" encoding="utf-8"?>
-<p:sld xmlns:a="http://schemas.openxmlformats.org/drawingml/2006/main" xmlns:r="http://schemas.openxmlformats.org/officeDocument/2006/relationships" xmlns:p="http://schemas.openxmlformats.org/presentationml/2006/main">
-  <p:cSld>
-    <p:spTree>
-      <p:nvGrpSpPr>
-        <p:cNvPr id="1" name=""/>
-        <p:cNvGrpSpPr/>
-        <p:nvPr/>
-      </p:nvGrpSpPr>
-      <p:grpSpPr>
-        <a:xfrm>
-          <a:off x="0" y="0"/>
-          <a:ext cx="0" cy="0"/>
-          <a:chOff x="0" y="0"/>
-          <a:chExt cx="0" cy="0"/>
-        </a:xfrm>
-      </p:grpSpPr>
-      <p:sp>
-        <p:nvSpPr>
-          <p:cNvPr id="2" name="Título 1">
-            <a:extLst>
-              <a:ext uri="{FF2B5EF4-FFF2-40B4-BE49-F238E27FC236}">
                 <a16:creationId xmlns:a16="http://schemas.microsoft.com/office/drawing/2014/main" id="{626B4F96-69B8-4261-A8C9-2BD7108E0FB4}"/>
               </a:ext>
             </a:extLst>
@@ -7236,7 +7113,7 @@
 </p:sld>
 </file>
 
-<file path=ppt/slides/slide28.xml><?xml version="1.0" encoding="utf-8"?>
+<file path=ppt/slides/slide27.xml><?xml version="1.0" encoding="utf-8"?>
 <p:sld xmlns:a="http://schemas.openxmlformats.org/drawingml/2006/main" xmlns:r="http://schemas.openxmlformats.org/officeDocument/2006/relationships" xmlns:p="http://schemas.openxmlformats.org/presentationml/2006/main">
   <p:cSld>
     <p:spTree>
@@ -7345,7 +7222,7 @@
 </p:sld>
 </file>
 
-<file path=ppt/slides/slide29.xml><?xml version="1.0" encoding="utf-8"?>
+<file path=ppt/slides/slide28.xml><?xml version="1.0" encoding="utf-8"?>
 <p:sld xmlns:a="http://schemas.openxmlformats.org/drawingml/2006/main" xmlns:r="http://schemas.openxmlformats.org/officeDocument/2006/relationships" xmlns:p="http://schemas.openxmlformats.org/presentationml/2006/main">
   <p:cSld>
     <p:spTree>
@@ -7454,6 +7331,73 @@
 </p:sld>
 </file>
 
+<file path=ppt/slides/slide29.xml><?xml version="1.0" encoding="utf-8"?>
+<p:sld xmlns:a="http://schemas.openxmlformats.org/drawingml/2006/main" xmlns:r="http://schemas.openxmlformats.org/officeDocument/2006/relationships" xmlns:p="http://schemas.openxmlformats.org/presentationml/2006/main">
+  <p:cSld>
+    <p:spTree>
+      <p:nvGrpSpPr>
+        <p:cNvPr id="1" name=""/>
+        <p:cNvGrpSpPr/>
+        <p:nvPr/>
+      </p:nvGrpSpPr>
+      <p:grpSpPr>
+        <a:xfrm>
+          <a:off x="0" y="0"/>
+          <a:ext cx="0" cy="0"/>
+          <a:chOff x="0" y="0"/>
+          <a:chExt cx="0" cy="0"/>
+        </a:xfrm>
+      </p:grpSpPr>
+      <p:sp>
+        <p:nvSpPr>
+          <p:cNvPr id="2" name="Título 1">
+            <a:extLst>
+              <a:ext uri="{FF2B5EF4-FFF2-40B4-BE49-F238E27FC236}">
+                <a16:creationId xmlns:a16="http://schemas.microsoft.com/office/drawing/2014/main" id="{F5CA287B-E016-4F32-8F9E-7A973B54DDFC}"/>
+              </a:ext>
+            </a:extLst>
+          </p:cNvPr>
+          <p:cNvSpPr>
+            <a:spLocks noGrp="1"/>
+          </p:cNvSpPr>
+          <p:nvPr>
+            <p:ph type="title"/>
+          </p:nvPr>
+        </p:nvSpPr>
+        <p:spPr>
+          <a:xfrm>
+            <a:off x="609600" y="3028950"/>
+            <a:ext cx="10972800" cy="800100"/>
+          </a:xfrm>
+        </p:spPr>
+        <p:txBody>
+          <a:bodyPr/>
+          <a:lstStyle/>
+          <a:p>
+            <a:r>
+              <a:rPr lang="es-GT" dirty="0">
+                <a:solidFill>
+                  <a:srgbClr val="5E72E4"/>
+                </a:solidFill>
+              </a:rPr>
+              <a:t>Demostración</a:t>
+            </a:r>
+          </a:p>
+        </p:txBody>
+      </p:sp>
+    </p:spTree>
+    <p:extLst>
+      <p:ext uri="{BB962C8B-B14F-4D97-AF65-F5344CB8AC3E}">
+        <p14:creationId xmlns:p14="http://schemas.microsoft.com/office/powerpoint/2010/main" val="3438138065"/>
+      </p:ext>
+    </p:extLst>
+  </p:cSld>
+  <p:clrMapOvr>
+    <a:masterClrMapping/>
+  </p:clrMapOvr>
+</p:sld>
+</file>
+
 <file path=ppt/slides/slide3.xml><?xml version="1.0" encoding="utf-8"?>
 <p:sld xmlns:a="http://schemas.openxmlformats.org/drawingml/2006/main" xmlns:r="http://schemas.openxmlformats.org/officeDocument/2006/relationships" xmlns:p="http://schemas.openxmlformats.org/presentationml/2006/main">
   <p:cSld>
@@ -7642,73 +7586,6 @@
           <p:cNvPr id="2" name="Título 1">
             <a:extLst>
               <a:ext uri="{FF2B5EF4-FFF2-40B4-BE49-F238E27FC236}">
-                <a16:creationId xmlns:a16="http://schemas.microsoft.com/office/drawing/2014/main" id="{F5CA287B-E016-4F32-8F9E-7A973B54DDFC}"/>
-              </a:ext>
-            </a:extLst>
-          </p:cNvPr>
-          <p:cNvSpPr>
-            <a:spLocks noGrp="1"/>
-          </p:cNvSpPr>
-          <p:nvPr>
-            <p:ph type="title"/>
-          </p:nvPr>
-        </p:nvSpPr>
-        <p:spPr>
-          <a:xfrm>
-            <a:off x="609600" y="3028950"/>
-            <a:ext cx="10972800" cy="800100"/>
-          </a:xfrm>
-        </p:spPr>
-        <p:txBody>
-          <a:bodyPr/>
-          <a:lstStyle/>
-          <a:p>
-            <a:r>
-              <a:rPr lang="es-GT" dirty="0">
-                <a:solidFill>
-                  <a:srgbClr val="5E72E4"/>
-                </a:solidFill>
-              </a:rPr>
-              <a:t>Demostración</a:t>
-            </a:r>
-          </a:p>
-        </p:txBody>
-      </p:sp>
-    </p:spTree>
-    <p:extLst>
-      <p:ext uri="{BB962C8B-B14F-4D97-AF65-F5344CB8AC3E}">
-        <p14:creationId xmlns:p14="http://schemas.microsoft.com/office/powerpoint/2010/main" val="3438138065"/>
-      </p:ext>
-    </p:extLst>
-  </p:cSld>
-  <p:clrMapOvr>
-    <a:masterClrMapping/>
-  </p:clrMapOvr>
-</p:sld>
-</file>
-
-<file path=ppt/slides/slide31.xml><?xml version="1.0" encoding="utf-8"?>
-<p:sld xmlns:a="http://schemas.openxmlformats.org/drawingml/2006/main" xmlns:r="http://schemas.openxmlformats.org/officeDocument/2006/relationships" xmlns:p="http://schemas.openxmlformats.org/presentationml/2006/main">
-  <p:cSld>
-    <p:spTree>
-      <p:nvGrpSpPr>
-        <p:cNvPr id="1" name=""/>
-        <p:cNvGrpSpPr/>
-        <p:nvPr/>
-      </p:nvGrpSpPr>
-      <p:grpSpPr>
-        <a:xfrm>
-          <a:off x="0" y="0"/>
-          <a:ext cx="0" cy="0"/>
-          <a:chOff x="0" y="0"/>
-          <a:chExt cx="0" cy="0"/>
-        </a:xfrm>
-      </p:grpSpPr>
-      <p:sp>
-        <p:nvSpPr>
-          <p:cNvPr id="2" name="Título 1">
-            <a:extLst>
-              <a:ext uri="{FF2B5EF4-FFF2-40B4-BE49-F238E27FC236}">
                 <a16:creationId xmlns:a16="http://schemas.microsoft.com/office/drawing/2014/main" id="{7246014C-59FF-4B94-95B6-B22686D4746B}"/>
               </a:ext>
             </a:extLst>
@@ -7789,7 +7666,7 @@
 </p:sld>
 </file>
 
-<file path=ppt/slides/slide32.xml><?xml version="1.0" encoding="utf-8"?>
+<file path=ppt/slides/slide31.xml><?xml version="1.0" encoding="utf-8"?>
 <p:sld xmlns:a="http://schemas.openxmlformats.org/drawingml/2006/main" xmlns:r="http://schemas.openxmlformats.org/officeDocument/2006/relationships" xmlns:p="http://schemas.openxmlformats.org/presentationml/2006/main">
   <p:cSld>
     <p:spTree>

--- a/Lawbrary2.pptx
+++ b/Lawbrary2.pptx
@@ -212,7 +212,7 @@
               <a:cs typeface="+mn-cs"/>
             </a:defRPr>
           </a:pPr>
-          <a:endParaRPr lang="en-US"/>
+          <a:endParaRPr lang="es-GT"/>
         </a:p>
       </c:txPr>
     </c:title>
@@ -412,7 +412,7 @@
                 <a:cs typeface="+mn-cs"/>
               </a:defRPr>
             </a:pPr>
-            <a:endParaRPr lang="en-US"/>
+            <a:endParaRPr lang="es-GT"/>
           </a:p>
         </c:txPr>
         <c:crossAx val="521596448"/>
@@ -474,7 +474,7 @@
                 <a:cs typeface="+mn-cs"/>
               </a:defRPr>
             </a:pPr>
-            <a:endParaRPr lang="en-US"/>
+            <a:endParaRPr lang="es-GT"/>
           </a:p>
         </c:txPr>
         <c:crossAx val="548677792"/>
@@ -514,7 +514,7 @@
       <a:pPr>
         <a:defRPr/>
       </a:pPr>
-      <a:endParaRPr lang="en-US"/>
+      <a:endParaRPr lang="es-GT"/>
     </a:p>
   </c:txPr>
   <c:externalData r:id="rId3">
@@ -1271,7 +1271,7 @@
           <a:p>
             <a:fld id="{8ECBA82C-2888-4D3C-8C75-64D9616B7D51}" type="datetimeFigureOut">
               <a:rPr lang="es-GT" smtClean="0"/>
-              <a:t>24/11/2019</a:t>
+              <a:t>25/11/2019</a:t>
             </a:fld>
             <a:endParaRPr lang="es-GT"/>
           </a:p>
@@ -1441,7 +1441,7 @@
           <a:p>
             <a:fld id="{8ECBA82C-2888-4D3C-8C75-64D9616B7D51}" type="datetimeFigureOut">
               <a:rPr lang="es-GT" smtClean="0"/>
-              <a:t>24/11/2019</a:t>
+              <a:t>25/11/2019</a:t>
             </a:fld>
             <a:endParaRPr lang="es-GT"/>
           </a:p>
@@ -1621,7 +1621,7 @@
           <a:p>
             <a:fld id="{8ECBA82C-2888-4D3C-8C75-64D9616B7D51}" type="datetimeFigureOut">
               <a:rPr lang="es-GT" smtClean="0"/>
-              <a:t>24/11/2019</a:t>
+              <a:t>25/11/2019</a:t>
             </a:fld>
             <a:endParaRPr lang="es-GT"/>
           </a:p>
@@ -2000,7 +2000,7 @@
           <a:p>
             <a:fld id="{8ECBA82C-2888-4D3C-8C75-64D9616B7D51}" type="datetimeFigureOut">
               <a:rPr lang="es-GT" smtClean="0"/>
-              <a:t>24/11/2019</a:t>
+              <a:t>25/11/2019</a:t>
             </a:fld>
             <a:endParaRPr lang="es-GT"/>
           </a:p>
@@ -2188,7 +2188,7 @@
           <a:p>
             <a:fld id="{8ECBA82C-2888-4D3C-8C75-64D9616B7D51}" type="datetimeFigureOut">
               <a:rPr lang="es-GT" smtClean="0"/>
-              <a:t>24/11/2019</a:t>
+              <a:t>25/11/2019</a:t>
             </a:fld>
             <a:endParaRPr lang="es-GT"/>
           </a:p>
@@ -2455,7 +2455,7 @@
           <a:p>
             <a:fld id="{8ECBA82C-2888-4D3C-8C75-64D9616B7D51}" type="datetimeFigureOut">
               <a:rPr lang="es-GT" smtClean="0"/>
-              <a:t>24/11/2019</a:t>
+              <a:t>25/11/2019</a:t>
             </a:fld>
             <a:endParaRPr lang="es-GT"/>
           </a:p>
@@ -2808,7 +2808,7 @@
           <a:p>
             <a:fld id="{8ECBA82C-2888-4D3C-8C75-64D9616B7D51}" type="datetimeFigureOut">
               <a:rPr lang="es-GT" smtClean="0"/>
-              <a:t>24/11/2019</a:t>
+              <a:t>25/11/2019</a:t>
             </a:fld>
             <a:endParaRPr lang="es-GT"/>
           </a:p>
@@ -3121,7 +3121,7 @@
           <a:p>
             <a:fld id="{8ECBA82C-2888-4D3C-8C75-64D9616B7D51}" type="datetimeFigureOut">
               <a:rPr lang="es-GT" smtClean="0"/>
-              <a:t>24/11/2019</a:t>
+              <a:t>25/11/2019</a:t>
             </a:fld>
             <a:endParaRPr lang="es-GT"/>
           </a:p>
@@ -3353,7 +3353,7 @@
           <a:p>
             <a:fld id="{8ECBA82C-2888-4D3C-8C75-64D9616B7D51}" type="datetimeFigureOut">
               <a:rPr lang="es-GT" smtClean="0"/>
-              <a:t>24/11/2019</a:t>
+              <a:t>25/11/2019</a:t>
             </a:fld>
             <a:endParaRPr lang="es-GT"/>
           </a:p>
@@ -3448,7 +3448,7 @@
           <a:p>
             <a:fld id="{8ECBA82C-2888-4D3C-8C75-64D9616B7D51}" type="datetimeFigureOut">
               <a:rPr lang="es-GT" smtClean="0"/>
-              <a:t>24/11/2019</a:t>
+              <a:t>25/11/2019</a:t>
             </a:fld>
             <a:endParaRPr lang="es-GT"/>
           </a:p>
@@ -3741,7 +3741,7 @@
           <a:p>
             <a:fld id="{8ECBA82C-2888-4D3C-8C75-64D9616B7D51}" type="datetimeFigureOut">
               <a:rPr lang="es-GT" smtClean="0"/>
-              <a:t>24/11/2019</a:t>
+              <a:t>25/11/2019</a:t>
             </a:fld>
             <a:endParaRPr lang="es-GT"/>
           </a:p>
@@ -4015,7 +4015,7 @@
           <a:p>
             <a:fld id="{8ECBA82C-2888-4D3C-8C75-64D9616B7D51}" type="datetimeFigureOut">
               <a:rPr lang="es-GT" smtClean="0"/>
-              <a:t>24/11/2019</a:t>
+              <a:t>25/11/2019</a:t>
             </a:fld>
             <a:endParaRPr lang="es-GT"/>
           </a:p>
@@ -4230,7 +4230,7 @@
           <a:p>
             <a:fld id="{8ECBA82C-2888-4D3C-8C75-64D9616B7D51}" type="datetimeFigureOut">
               <a:rPr lang="es-GT" smtClean="0"/>
-              <a:t>24/11/2019</a:t>
+              <a:t>25/11/2019</a:t>
             </a:fld>
             <a:endParaRPr lang="es-GT"/>
           </a:p>
@@ -4940,6 +4940,41 @@
           </a:prstGeom>
         </p:spPr>
       </p:pic>
+      <p:sp>
+        <p:nvSpPr>
+          <p:cNvPr id="3" name="CuadroTexto 2">
+            <a:extLst>
+              <a:ext uri="{FF2B5EF4-FFF2-40B4-BE49-F238E27FC236}">
+                <a16:creationId xmlns:a16="http://schemas.microsoft.com/office/drawing/2014/main" id="{BDDF1D8C-47F9-445D-A2B3-0728BAE32DB3}"/>
+              </a:ext>
+            </a:extLst>
+          </p:cNvPr>
+          <p:cNvSpPr txBox="1"/>
+          <p:nvPr/>
+        </p:nvSpPr>
+        <p:spPr>
+          <a:xfrm flipH="1">
+            <a:off x="8699388" y="4240696"/>
+            <a:ext cx="2697481" cy="369332"/>
+          </a:xfrm>
+          <a:prstGeom prst="rect">
+            <a:avLst/>
+          </a:prstGeom>
+          <a:noFill/>
+        </p:spPr>
+        <p:txBody>
+          <a:bodyPr wrap="square" rtlCol="0">
+            <a:spAutoFit/>
+          </a:bodyPr>
+          <a:lstStyle/>
+          <a:p>
+            <a:r>
+              <a:rPr lang="es-GT" dirty="0"/>
+              <a:t>Fuente: Código civil</a:t>
+            </a:r>
+          </a:p>
+        </p:txBody>
+      </p:sp>
     </p:spTree>
     <p:extLst>
       <p:ext uri="{BB962C8B-B14F-4D97-AF65-F5344CB8AC3E}">
@@ -7045,7 +7080,11 @@
           <a:lstStyle/>
           <a:p>
             <a:r>
-              <a:rPr lang="es-GT" dirty="0"/>
+              <a:rPr lang="es-GT" dirty="0">
+                <a:solidFill>
+                  <a:srgbClr val="5E72E4"/>
+                </a:solidFill>
+              </a:rPr>
               <a:t>Diagrama de secuencia: análisis de DPI</a:t>
             </a:r>
           </a:p>
@@ -7209,6 +7248,41 @@
           </a:extLst>
         </p:spPr>
       </p:pic>
+      <p:sp>
+        <p:nvSpPr>
+          <p:cNvPr id="3" name="CuadroTexto 2">
+            <a:extLst>
+              <a:ext uri="{FF2B5EF4-FFF2-40B4-BE49-F238E27FC236}">
+                <a16:creationId xmlns:a16="http://schemas.microsoft.com/office/drawing/2014/main" id="{C93807B9-59BE-4882-9DD1-37860C794C62}"/>
+              </a:ext>
+            </a:extLst>
+          </p:cNvPr>
+          <p:cNvSpPr txBox="1"/>
+          <p:nvPr/>
+        </p:nvSpPr>
+        <p:spPr>
+          <a:xfrm>
+            <a:off x="9077739" y="6493565"/>
+            <a:ext cx="1643270" cy="369332"/>
+          </a:xfrm>
+          <a:prstGeom prst="rect">
+            <a:avLst/>
+          </a:prstGeom>
+          <a:noFill/>
+        </p:spPr>
+        <p:txBody>
+          <a:bodyPr wrap="square" rtlCol="0">
+            <a:spAutoFit/>
+          </a:bodyPr>
+          <a:lstStyle/>
+          <a:p>
+            <a:r>
+              <a:rPr lang="es-GT" dirty="0"/>
+              <a:t>Simplificado</a:t>
+            </a:r>
+          </a:p>
+        </p:txBody>
+      </p:sp>
     </p:spTree>
     <p:extLst>
       <p:ext uri="{BB962C8B-B14F-4D97-AF65-F5344CB8AC3E}">

--- a/Lawbrary2.pptx
+++ b/Lawbrary2.pptx
@@ -6470,11 +6470,13 @@
         <p:spPr>
           <a:xfrm>
             <a:off x="609600" y="2473658"/>
-            <a:ext cx="10972800" cy="2712492"/>
+            <a:ext cx="10972800" cy="3702290"/>
           </a:xfrm>
         </p:spPr>
         <p:txBody>
-          <a:bodyPr/>
+          <a:bodyPr>
+            <a:normAutofit/>
+          </a:bodyPr>
           <a:lstStyle/>
           <a:p>
             <a:r>
@@ -6492,6 +6494,18 @@
             <a:r>
               <a:rPr lang="es-GT" dirty="0"/>
               <a:t>Permite hacer anotaciones públicas en artículos.</a:t>
+            </a:r>
+          </a:p>
+          <a:p>
+            <a:r>
+              <a:rPr lang="es-GT" dirty="0"/>
+              <a:t>Ofrece plantillas para facilitar la elaboración de documentos comunes en el área.</a:t>
+            </a:r>
+          </a:p>
+          <a:p>
+            <a:r>
+              <a:rPr lang="es-GT" dirty="0"/>
+              <a:t>Permite a usuarios almacenar su protocolo.</a:t>
             </a:r>
           </a:p>
           <a:p>
@@ -6756,21 +6770,19 @@
       </p:sp>
       <p:pic>
         <p:nvPicPr>
-          <p:cNvPr id="1028" name="Picture 4">
+          <p:cNvPr id="1026" name="Picture 2">
             <a:extLst>
               <a:ext uri="{FF2B5EF4-FFF2-40B4-BE49-F238E27FC236}">
-                <a16:creationId xmlns:a16="http://schemas.microsoft.com/office/drawing/2014/main" id="{E415E639-D27B-4DF8-840B-80733831661E}"/>
+                <a16:creationId xmlns:a16="http://schemas.microsoft.com/office/drawing/2014/main" id="{B9143EF0-C6C0-46DF-A960-844BE4B307A2}"/>
               </a:ext>
             </a:extLst>
           </p:cNvPr>
           <p:cNvPicPr>
-            <a:picLocks noGrp="1" noChangeAspect="1" noChangeArrowheads="1"/>
+            <a:picLocks noChangeAspect="1" noChangeArrowheads="1"/>
           </p:cNvPicPr>
-          <p:nvPr>
-            <p:ph idx="1"/>
-          </p:nvPr>
+          <p:nvPr/>
         </p:nvPicPr>
-        <p:blipFill rotWithShape="1">
+        <p:blipFill>
           <a:blip r:embed="rId2">
             <a:extLst>
               <a:ext uri="{28A0092B-C50C-407E-A947-70E740481C1C}">
@@ -6778,13 +6790,15 @@
               </a:ext>
             </a:extLst>
           </a:blip>
-          <a:srcRect l="4598" t="4277" r="4694" b="4339"/>
-          <a:stretch/>
+          <a:srcRect/>
+          <a:stretch>
+            <a:fillRect/>
+          </a:stretch>
         </p:blipFill>
         <p:spPr bwMode="auto">
           <a:xfrm>
-            <a:off x="3485322" y="738808"/>
-            <a:ext cx="8706678" cy="5380383"/>
+            <a:off x="3087548" y="419724"/>
+            <a:ext cx="9104452" cy="6018551"/>
           </a:xfrm>
           <a:prstGeom prst="rect">
             <a:avLst/>
@@ -7201,12 +7215,47 @@
           </a:p>
         </p:txBody>
       </p:sp>
+      <p:sp>
+        <p:nvSpPr>
+          <p:cNvPr id="3" name="CuadroTexto 2">
+            <a:extLst>
+              <a:ext uri="{FF2B5EF4-FFF2-40B4-BE49-F238E27FC236}">
+                <a16:creationId xmlns:a16="http://schemas.microsoft.com/office/drawing/2014/main" id="{C93807B9-59BE-4882-9DD1-37860C794C62}"/>
+              </a:ext>
+            </a:extLst>
+          </p:cNvPr>
+          <p:cNvSpPr txBox="1"/>
+          <p:nvPr/>
+        </p:nvSpPr>
+        <p:spPr>
+          <a:xfrm>
+            <a:off x="9861928" y="6493565"/>
+            <a:ext cx="1643270" cy="369332"/>
+          </a:xfrm>
+          <a:prstGeom prst="rect">
+            <a:avLst/>
+          </a:prstGeom>
+          <a:noFill/>
+        </p:spPr>
+        <p:txBody>
+          <a:bodyPr wrap="square" rtlCol="0">
+            <a:spAutoFit/>
+          </a:bodyPr>
+          <a:lstStyle/>
+          <a:p>
+            <a:r>
+              <a:rPr lang="es-GT" dirty="0"/>
+              <a:t>Simplificado</a:t>
+            </a:r>
+          </a:p>
+        </p:txBody>
+      </p:sp>
       <p:pic>
         <p:nvPicPr>
-          <p:cNvPr id="1026" name="Picture 2">
+          <p:cNvPr id="3074" name="Picture 2">
             <a:extLst>
               <a:ext uri="{FF2B5EF4-FFF2-40B4-BE49-F238E27FC236}">
-                <a16:creationId xmlns:a16="http://schemas.microsoft.com/office/drawing/2014/main" id="{C81E58A2-0552-47E2-856A-CA7C2697AD2D}"/>
+                <a16:creationId xmlns:a16="http://schemas.microsoft.com/office/drawing/2014/main" id="{28967CBA-E0A3-4BEE-A02A-E0A3A70C2CC7}"/>
               </a:ext>
             </a:extLst>
           </p:cNvPr>
@@ -7230,8 +7279,8 @@
         </p:blipFill>
         <p:spPr bwMode="auto">
           <a:xfrm>
-            <a:off x="1782831" y="1600200"/>
-            <a:ext cx="8626337" cy="5082859"/>
+            <a:off x="686802" y="1469976"/>
+            <a:ext cx="9158834" cy="5208255"/>
           </a:xfrm>
           <a:prstGeom prst="rect">
             <a:avLst/>
@@ -7248,41 +7297,6 @@
           </a:extLst>
         </p:spPr>
       </p:pic>
-      <p:sp>
-        <p:nvSpPr>
-          <p:cNvPr id="3" name="CuadroTexto 2">
-            <a:extLst>
-              <a:ext uri="{FF2B5EF4-FFF2-40B4-BE49-F238E27FC236}">
-                <a16:creationId xmlns:a16="http://schemas.microsoft.com/office/drawing/2014/main" id="{C93807B9-59BE-4882-9DD1-37860C794C62}"/>
-              </a:ext>
-            </a:extLst>
-          </p:cNvPr>
-          <p:cNvSpPr txBox="1"/>
-          <p:nvPr/>
-        </p:nvSpPr>
-        <p:spPr>
-          <a:xfrm>
-            <a:off x="9077739" y="6493565"/>
-            <a:ext cx="1643270" cy="369332"/>
-          </a:xfrm>
-          <a:prstGeom prst="rect">
-            <a:avLst/>
-          </a:prstGeom>
-          <a:noFill/>
-        </p:spPr>
-        <p:txBody>
-          <a:bodyPr wrap="square" rtlCol="0">
-            <a:spAutoFit/>
-          </a:bodyPr>
-          <a:lstStyle/>
-          <a:p>
-            <a:r>
-              <a:rPr lang="es-GT" dirty="0"/>
-              <a:t>Simplificado</a:t>
-            </a:r>
-          </a:p>
-        </p:txBody>
-      </p:sp>
     </p:spTree>
     <p:extLst>
       <p:ext uri="{BB962C8B-B14F-4D97-AF65-F5344CB8AC3E}">
@@ -7347,10 +7361,10 @@
       </p:sp>
       <p:pic>
         <p:nvPicPr>
-          <p:cNvPr id="3074" name="Picture 2">
+          <p:cNvPr id="2052" name="Picture 4">
             <a:extLst>
               <a:ext uri="{FF2B5EF4-FFF2-40B4-BE49-F238E27FC236}">
-                <a16:creationId xmlns:a16="http://schemas.microsoft.com/office/drawing/2014/main" id="{FD5F6E77-5E9C-4F3F-8773-F7556F7ADBE1}"/>
+                <a16:creationId xmlns:a16="http://schemas.microsoft.com/office/drawing/2014/main" id="{AF5E8165-0FBA-4E4F-8764-2F453C181979}"/>
               </a:ext>
             </a:extLst>
           </p:cNvPr>
@@ -7374,8 +7388,8 @@
         </p:blipFill>
         <p:spPr bwMode="auto">
           <a:xfrm>
-            <a:off x="2531164" y="1600200"/>
-            <a:ext cx="7129671" cy="4882717"/>
+            <a:off x="2440768" y="1851468"/>
+            <a:ext cx="7310464" cy="5006532"/>
           </a:xfrm>
           <a:prstGeom prst="rect">
             <a:avLst/>
@@ -7812,22 +7826,36 @@
           <a:p>
             <a:r>
               <a:rPr lang="es-GT" dirty="0"/>
-              <a:t>Existen muchas formas de desplegar </a:t>
+              <a:t>Se debe tener claro cuál es el objetivo del proyecto para no tener que hacer cambios inesperados.</a:t>
+            </a:r>
+          </a:p>
+          <a:p>
+            <a:r>
+              <a:rPr lang="es-GT" dirty="0"/>
+              <a:t>Se debe capacitar al equipo sobre las tecnologías que se piensan implementar para facilitar la implementación </a:t>
+            </a:r>
+            <a:r>
+              <a:rPr lang="es-GT"/>
+              <a:t>del proyecto.</a:t>
+            </a:r>
+            <a:endParaRPr lang="es-GT" dirty="0"/>
+          </a:p>
+          <a:p>
+            <a:r>
+              <a:rPr lang="es-GT" dirty="0"/>
+              <a:t>Muchas aplicaciones actualmente ya existen para diferentes funcionalidades, por ejemplo </a:t>
             </a:r>
             <a:r>
               <a:rPr lang="es-GT" dirty="0" err="1"/>
-              <a:t>PDFs</a:t>
+              <a:t>OCRs</a:t>
             </a:r>
             <a:r>
               <a:rPr lang="es-GT" dirty="0"/>
-              <a:t> a la hora de hacer una aplicación web. Dependiendo de las características que se buscan, se debe pensar bien cuál implementar.</a:t>
-            </a:r>
-          </a:p>
-          <a:p>
-            <a:r>
-              <a:rPr lang="es-GT" dirty="0"/>
-              <a:t>Al realizar búsquedas se debe tomar en cuenta el rendimiento y rapidez de la aplicación.</a:t>
-            </a:r>
+              <a:t>, que facilitan el trabajo.</a:t>
+            </a:r>
+          </a:p>
+          <a:p>
+            <a:endParaRPr lang="es-GT" dirty="0"/>
           </a:p>
         </p:txBody>
       </p:sp>

--- a/Lawbrary2.pptx
+++ b/Lawbrary2.pptx
@@ -1271,7 +1271,7 @@
           <a:p>
             <a:fld id="{8ECBA82C-2888-4D3C-8C75-64D9616B7D51}" type="datetimeFigureOut">
               <a:rPr lang="es-GT" smtClean="0"/>
-              <a:t>25/11/2019</a:t>
+              <a:t>28/11/2019</a:t>
             </a:fld>
             <a:endParaRPr lang="es-GT"/>
           </a:p>
@@ -1441,7 +1441,7 @@
           <a:p>
             <a:fld id="{8ECBA82C-2888-4D3C-8C75-64D9616B7D51}" type="datetimeFigureOut">
               <a:rPr lang="es-GT" smtClean="0"/>
-              <a:t>25/11/2019</a:t>
+              <a:t>28/11/2019</a:t>
             </a:fld>
             <a:endParaRPr lang="es-GT"/>
           </a:p>
@@ -1621,7 +1621,7 @@
           <a:p>
             <a:fld id="{8ECBA82C-2888-4D3C-8C75-64D9616B7D51}" type="datetimeFigureOut">
               <a:rPr lang="es-GT" smtClean="0"/>
-              <a:t>25/11/2019</a:t>
+              <a:t>28/11/2019</a:t>
             </a:fld>
             <a:endParaRPr lang="es-GT"/>
           </a:p>
@@ -2000,7 +2000,7 @@
           <a:p>
             <a:fld id="{8ECBA82C-2888-4D3C-8C75-64D9616B7D51}" type="datetimeFigureOut">
               <a:rPr lang="es-GT" smtClean="0"/>
-              <a:t>25/11/2019</a:t>
+              <a:t>28/11/2019</a:t>
             </a:fld>
             <a:endParaRPr lang="es-GT"/>
           </a:p>
@@ -2188,7 +2188,7 @@
           <a:p>
             <a:fld id="{8ECBA82C-2888-4D3C-8C75-64D9616B7D51}" type="datetimeFigureOut">
               <a:rPr lang="es-GT" smtClean="0"/>
-              <a:t>25/11/2019</a:t>
+              <a:t>28/11/2019</a:t>
             </a:fld>
             <a:endParaRPr lang="es-GT"/>
           </a:p>
@@ -2455,7 +2455,7 @@
           <a:p>
             <a:fld id="{8ECBA82C-2888-4D3C-8C75-64D9616B7D51}" type="datetimeFigureOut">
               <a:rPr lang="es-GT" smtClean="0"/>
-              <a:t>25/11/2019</a:t>
+              <a:t>28/11/2019</a:t>
             </a:fld>
             <a:endParaRPr lang="es-GT"/>
           </a:p>
@@ -2808,7 +2808,7 @@
           <a:p>
             <a:fld id="{8ECBA82C-2888-4D3C-8C75-64D9616B7D51}" type="datetimeFigureOut">
               <a:rPr lang="es-GT" smtClean="0"/>
-              <a:t>25/11/2019</a:t>
+              <a:t>28/11/2019</a:t>
             </a:fld>
             <a:endParaRPr lang="es-GT"/>
           </a:p>
@@ -3121,7 +3121,7 @@
           <a:p>
             <a:fld id="{8ECBA82C-2888-4D3C-8C75-64D9616B7D51}" type="datetimeFigureOut">
               <a:rPr lang="es-GT" smtClean="0"/>
-              <a:t>25/11/2019</a:t>
+              <a:t>28/11/2019</a:t>
             </a:fld>
             <a:endParaRPr lang="es-GT"/>
           </a:p>
@@ -3353,7 +3353,7 @@
           <a:p>
             <a:fld id="{8ECBA82C-2888-4D3C-8C75-64D9616B7D51}" type="datetimeFigureOut">
               <a:rPr lang="es-GT" smtClean="0"/>
-              <a:t>25/11/2019</a:t>
+              <a:t>28/11/2019</a:t>
             </a:fld>
             <a:endParaRPr lang="es-GT"/>
           </a:p>
@@ -3448,7 +3448,7 @@
           <a:p>
             <a:fld id="{8ECBA82C-2888-4D3C-8C75-64D9616B7D51}" type="datetimeFigureOut">
               <a:rPr lang="es-GT" smtClean="0"/>
-              <a:t>25/11/2019</a:t>
+              <a:t>28/11/2019</a:t>
             </a:fld>
             <a:endParaRPr lang="es-GT"/>
           </a:p>
@@ -3741,7 +3741,7 @@
           <a:p>
             <a:fld id="{8ECBA82C-2888-4D3C-8C75-64D9616B7D51}" type="datetimeFigureOut">
               <a:rPr lang="es-GT" smtClean="0"/>
-              <a:t>25/11/2019</a:t>
+              <a:t>28/11/2019</a:t>
             </a:fld>
             <a:endParaRPr lang="es-GT"/>
           </a:p>
@@ -4015,7 +4015,7 @@
           <a:p>
             <a:fld id="{8ECBA82C-2888-4D3C-8C75-64D9616B7D51}" type="datetimeFigureOut">
               <a:rPr lang="es-GT" smtClean="0"/>
-              <a:t>25/11/2019</a:t>
+              <a:t>28/11/2019</a:t>
             </a:fld>
             <a:endParaRPr lang="es-GT"/>
           </a:p>
@@ -4230,7 +4230,7 @@
           <a:p>
             <a:fld id="{8ECBA82C-2888-4D3C-8C75-64D9616B7D51}" type="datetimeFigureOut">
               <a:rPr lang="es-GT" smtClean="0"/>
-              <a:t>25/11/2019</a:t>
+              <a:t>28/11/2019</a:t>
             </a:fld>
             <a:endParaRPr lang="es-GT"/>
           </a:p>
@@ -7199,7 +7199,12 @@
             <p:ph type="title"/>
           </p:nvPr>
         </p:nvSpPr>
-        <p:spPr/>
+        <p:spPr>
+          <a:xfrm>
+            <a:off x="8548172" y="2628900"/>
+            <a:ext cx="3643828" cy="1600200"/>
+          </a:xfrm>
+        </p:spPr>
         <p:txBody>
           <a:bodyPr/>
           <a:lstStyle/>
@@ -7252,10 +7257,10 @@
       </p:sp>
       <p:pic>
         <p:nvPicPr>
-          <p:cNvPr id="3074" name="Picture 2">
+          <p:cNvPr id="1026" name="Picture 2">
             <a:extLst>
               <a:ext uri="{FF2B5EF4-FFF2-40B4-BE49-F238E27FC236}">
-                <a16:creationId xmlns:a16="http://schemas.microsoft.com/office/drawing/2014/main" id="{28967CBA-E0A3-4BEE-A02A-E0A3A70C2CC7}"/>
+                <a16:creationId xmlns:a16="http://schemas.microsoft.com/office/drawing/2014/main" id="{DD64E9D2-9B9B-40D7-B3DF-0402A8A95240}"/>
               </a:ext>
             </a:extLst>
           </p:cNvPr>
@@ -7279,8 +7284,8 @@
         </p:blipFill>
         <p:spPr bwMode="auto">
           <a:xfrm>
-            <a:off x="686802" y="1469976"/>
-            <a:ext cx="9158834" cy="5208255"/>
+            <a:off x="0" y="0"/>
+            <a:ext cx="8431213" cy="6858000"/>
           </a:xfrm>
           <a:prstGeom prst="rect">
             <a:avLst/>
